--- a/figures/rankings/rankings.pptx
+++ b/figures/rankings/rankings.pptx
@@ -197,7 +197,7 @@
           <a:p>
             <a:fld id="{EA340EF4-FADB-364B-91FA-18633379C075}" type="datetimeFigureOut">
               <a:rPr lang="en-US" smtClean="0"/>
-              <a:t>9/1/22</a:t>
+              <a:t>10/16/22</a:t>
             </a:fld>
             <a:endParaRPr lang="en-US"/>
           </a:p>
@@ -684,7 +684,7 @@
           <a:p>
             <a:fld id="{DD6D9246-4FED-8E4D-BC9B-CDD794F2A5B7}" type="datetimeFigureOut">
               <a:rPr lang="en-US" smtClean="0"/>
-              <a:t>9/1/22</a:t>
+              <a:t>10/16/22</a:t>
             </a:fld>
             <a:endParaRPr lang="en-US"/>
           </a:p>
@@ -854,7 +854,7 @@
           <a:p>
             <a:fld id="{DD6D9246-4FED-8E4D-BC9B-CDD794F2A5B7}" type="datetimeFigureOut">
               <a:rPr lang="en-US" smtClean="0"/>
-              <a:t>9/1/22</a:t>
+              <a:t>10/16/22</a:t>
             </a:fld>
             <a:endParaRPr lang="en-US"/>
           </a:p>
@@ -1034,7 +1034,7 @@
           <a:p>
             <a:fld id="{DD6D9246-4FED-8E4D-BC9B-CDD794F2A5B7}" type="datetimeFigureOut">
               <a:rPr lang="en-US" smtClean="0"/>
-              <a:t>9/1/22</a:t>
+              <a:t>10/16/22</a:t>
             </a:fld>
             <a:endParaRPr lang="en-US"/>
           </a:p>
@@ -1204,7 +1204,7 @@
           <a:p>
             <a:fld id="{DD6D9246-4FED-8E4D-BC9B-CDD794F2A5B7}" type="datetimeFigureOut">
               <a:rPr lang="en-US" smtClean="0"/>
-              <a:t>9/1/22</a:t>
+              <a:t>10/16/22</a:t>
             </a:fld>
             <a:endParaRPr lang="en-US"/>
           </a:p>
@@ -1448,7 +1448,7 @@
           <a:p>
             <a:fld id="{DD6D9246-4FED-8E4D-BC9B-CDD794F2A5B7}" type="datetimeFigureOut">
               <a:rPr lang="en-US" smtClean="0"/>
-              <a:t>9/1/22</a:t>
+              <a:t>10/16/22</a:t>
             </a:fld>
             <a:endParaRPr lang="en-US"/>
           </a:p>
@@ -1680,7 +1680,7 @@
           <a:p>
             <a:fld id="{DD6D9246-4FED-8E4D-BC9B-CDD794F2A5B7}" type="datetimeFigureOut">
               <a:rPr lang="en-US" smtClean="0"/>
-              <a:t>9/1/22</a:t>
+              <a:t>10/16/22</a:t>
             </a:fld>
             <a:endParaRPr lang="en-US"/>
           </a:p>
@@ -2047,7 +2047,7 @@
           <a:p>
             <a:fld id="{DD6D9246-4FED-8E4D-BC9B-CDD794F2A5B7}" type="datetimeFigureOut">
               <a:rPr lang="en-US" smtClean="0"/>
-              <a:t>9/1/22</a:t>
+              <a:t>10/16/22</a:t>
             </a:fld>
             <a:endParaRPr lang="en-US"/>
           </a:p>
@@ -2165,7 +2165,7 @@
           <a:p>
             <a:fld id="{DD6D9246-4FED-8E4D-BC9B-CDD794F2A5B7}" type="datetimeFigureOut">
               <a:rPr lang="en-US" smtClean="0"/>
-              <a:t>9/1/22</a:t>
+              <a:t>10/16/22</a:t>
             </a:fld>
             <a:endParaRPr lang="en-US"/>
           </a:p>
@@ -2260,7 +2260,7 @@
           <a:p>
             <a:fld id="{DD6D9246-4FED-8E4D-BC9B-CDD794F2A5B7}" type="datetimeFigureOut">
               <a:rPr lang="en-US" smtClean="0"/>
-              <a:t>9/1/22</a:t>
+              <a:t>10/16/22</a:t>
             </a:fld>
             <a:endParaRPr lang="en-US"/>
           </a:p>
@@ -2537,7 +2537,7 @@
           <a:p>
             <a:fld id="{DD6D9246-4FED-8E4D-BC9B-CDD794F2A5B7}" type="datetimeFigureOut">
               <a:rPr lang="en-US" smtClean="0"/>
-              <a:t>9/1/22</a:t>
+              <a:t>10/16/22</a:t>
             </a:fld>
             <a:endParaRPr lang="en-US"/>
           </a:p>
@@ -2794,7 +2794,7 @@
           <a:p>
             <a:fld id="{DD6D9246-4FED-8E4D-BC9B-CDD794F2A5B7}" type="datetimeFigureOut">
               <a:rPr lang="en-US" smtClean="0"/>
-              <a:t>9/1/22</a:t>
+              <a:t>10/16/22</a:t>
             </a:fld>
             <a:endParaRPr lang="en-US"/>
           </a:p>
@@ -3007,7 +3007,7 @@
           <a:p>
             <a:fld id="{DD6D9246-4FED-8E4D-BC9B-CDD794F2A5B7}" type="datetimeFigureOut">
               <a:rPr lang="en-US" smtClean="0"/>
-              <a:t>9/1/22</a:t>
+              <a:t>10/16/22</a:t>
             </a:fld>
             <a:endParaRPr lang="en-US"/>
           </a:p>
@@ -3918,7 +3918,7 @@
             </a:r>
             <a:r>
               <a:rPr lang="en-US" sz="2000" dirty="0"/>
-              <a:t> Log-fold change</a:t>
+              <a:t> Log fold change</a:t>
             </a:r>
           </a:p>
         </p:txBody>
@@ -4256,7 +4256,7 @@
             <a:pPr algn="ctr"/>
             <a:r>
               <a:rPr lang="en-US" sz="1700" dirty="0"/>
-              <a:t>Log-fold change</a:t>
+              <a:t>Log fold change</a:t>
             </a:r>
           </a:p>
         </p:txBody>
@@ -4292,7 +4292,7 @@
             <a:pPr algn="ctr"/>
             <a:r>
               <a:rPr lang="en-US" sz="1700" dirty="0"/>
-              <a:t>Log-fold change</a:t>
+              <a:t>Log fold change</a:t>
             </a:r>
           </a:p>
         </p:txBody>
@@ -4328,7 +4328,7 @@
             <a:pPr algn="ctr"/>
             <a:r>
               <a:rPr lang="en-US" sz="1700" dirty="0"/>
-              <a:t>Log-fold change</a:t>
+              <a:t>Log fold change</a:t>
             </a:r>
           </a:p>
         </p:txBody>
@@ -4364,7 +4364,7 @@
             <a:pPr algn="ctr"/>
             <a:r>
               <a:rPr lang="en-US" sz="1700" dirty="0"/>
-              <a:t>Log-fold change</a:t>
+              <a:t>Log fold change</a:t>
             </a:r>
           </a:p>
         </p:txBody>
@@ -4400,7 +4400,7 @@
             <a:pPr algn="ctr"/>
             <a:r>
               <a:rPr lang="en-US" sz="1700" dirty="0"/>
-              <a:t>Log-fold change</a:t>
+              <a:t>Log fold change</a:t>
             </a:r>
           </a:p>
         </p:txBody>
@@ -4419,7 +4419,7 @@
         </p:nvSpPr>
         <p:spPr>
           <a:xfrm>
-            <a:off x="6364362" y="7915701"/>
+            <a:off x="6364362" y="7907952"/>
             <a:ext cx="632325" cy="276999"/>
           </a:xfrm>
           <a:prstGeom prst="rect">
@@ -4454,7 +4454,7 @@
         </p:nvSpPr>
         <p:spPr>
           <a:xfrm>
-            <a:off x="7436844" y="7287705"/>
+            <a:off x="7444593" y="7287705"/>
             <a:ext cx="632325" cy="276999"/>
           </a:xfrm>
           <a:prstGeom prst="rect">
@@ -4524,7 +4524,7 @@
         </p:nvSpPr>
         <p:spPr>
           <a:xfrm>
-            <a:off x="5057491" y="8107341"/>
+            <a:off x="5049742" y="8107341"/>
             <a:ext cx="632325" cy="276999"/>
           </a:xfrm>
           <a:prstGeom prst="rect">
@@ -4559,7 +4559,7 @@
         </p:nvSpPr>
         <p:spPr>
           <a:xfrm>
-            <a:off x="4835422" y="8398080"/>
+            <a:off x="4827673" y="8398080"/>
             <a:ext cx="632325" cy="276999"/>
           </a:xfrm>
           <a:prstGeom prst="rect">
@@ -4594,7 +4594,7 @@
         </p:nvSpPr>
         <p:spPr>
           <a:xfrm>
-            <a:off x="3757736" y="8153521"/>
+            <a:off x="3742238" y="8161270"/>
             <a:ext cx="632325" cy="276999"/>
           </a:xfrm>
           <a:prstGeom prst="rect">
@@ -4629,7 +4629,7 @@
         </p:nvSpPr>
         <p:spPr>
           <a:xfrm>
-            <a:off x="3535668" y="8239647"/>
+            <a:off x="3520170" y="8247396"/>
             <a:ext cx="632325" cy="276999"/>
           </a:xfrm>
           <a:prstGeom prst="rect">
@@ -4664,7 +4664,7 @@
         </p:nvSpPr>
         <p:spPr>
           <a:xfrm>
-            <a:off x="2449743" y="8324407"/>
+            <a:off x="2441994" y="8324407"/>
             <a:ext cx="632325" cy="276999"/>
           </a:xfrm>
           <a:prstGeom prst="rect">
@@ -4699,7 +4699,7 @@
         </p:nvSpPr>
         <p:spPr>
           <a:xfrm>
-            <a:off x="2229382" y="8682567"/>
+            <a:off x="2206135" y="8682567"/>
             <a:ext cx="632325" cy="276999"/>
           </a:xfrm>
           <a:prstGeom prst="rect">
@@ -4734,7 +4734,7 @@
         </p:nvSpPr>
         <p:spPr>
           <a:xfrm>
-            <a:off x="3121172" y="8844574"/>
+            <a:off x="3121172" y="8836825"/>
             <a:ext cx="632325" cy="276999"/>
           </a:xfrm>
           <a:prstGeom prst="rect">
@@ -4769,7 +4769,7 @@
         </p:nvSpPr>
         <p:spPr>
           <a:xfrm>
-            <a:off x="3394908" y="8914020"/>
+            <a:off x="3387159" y="8898522"/>
             <a:ext cx="632325" cy="276999"/>
           </a:xfrm>
           <a:prstGeom prst="rect">
@@ -4804,7 +4804,7 @@
         </p:nvSpPr>
         <p:spPr>
           <a:xfrm>
-            <a:off x="7318007" y="8715788"/>
+            <a:off x="7302509" y="8700290"/>
             <a:ext cx="632325" cy="276999"/>
           </a:xfrm>
           <a:prstGeom prst="rect">
@@ -4839,7 +4839,7 @@
         </p:nvSpPr>
         <p:spPr>
           <a:xfrm>
-            <a:off x="7680813" y="6656507"/>
+            <a:off x="7673064" y="6656507"/>
             <a:ext cx="632325" cy="276999"/>
           </a:xfrm>
           <a:prstGeom prst="rect">
